--- a/[For Qn 2] MIPS_Processor_Datapath_And_Control.pptx
+++ b/[For Qn 2] MIPS_Processor_Datapath_And_Control.pptx
@@ -3827,7 +3827,7 @@
                   <a:srgbClr val="660066"/>
                 </a:solidFill>
                 <a:highlight>
-                  <a:srgbClr val="FFFF00"/>
+                  <a:srgbClr val="00FF00"/>
                 </a:highlight>
                 <a:latin typeface="Verdana" pitchFamily="34" charset="0"/>
               </a:rPr>
@@ -3836,92 +3836,323 @@
           </a:p>
         </p:txBody>
       </p:sp>
-      <p:sp>
-        <p:nvSpPr>
-          <p:cNvPr id="297" name="Text Box 319">
-            <a:extLst>
-              <a:ext uri="{FF2B5EF4-FFF2-40B4-BE49-F238E27FC236}">
-                <a16:creationId xmlns:a16="http://schemas.microsoft.com/office/drawing/2014/main" id="{76D76267-4C5A-4685-A2F3-3D63B70CC196}"/>
-              </a:ext>
-            </a:extLst>
-          </p:cNvPr>
-          <p:cNvSpPr txBox="1">
-            <a:spLocks noChangeArrowheads="1"/>
-          </p:cNvSpPr>
-          <p:nvPr/>
-        </p:nvSpPr>
-        <p:spPr bwMode="auto">
-          <a:xfrm>
-            <a:off x="2670450" y="3387108"/>
-            <a:ext cx="914033" cy="276999"/>
-          </a:xfrm>
-          <a:prstGeom prst="rect">
-            <a:avLst/>
-          </a:prstGeom>
-          <a:noFill/>
-          <a:ln w="12700" algn="ctr">
-            <a:noFill/>
-            <a:miter lim="800000"/>
-            <a:headEnd/>
-            <a:tailEnd/>
-          </a:ln>
-        </p:spPr>
-        <p:txBody>
-          <a:bodyPr wrap="none">
-            <a:spAutoFit/>
-          </a:bodyPr>
-          <a:lstStyle/>
-          <a:p>
-            <a:pPr algn="ctr"/>
-            <a:r>
-              <a:rPr lang="en-US" sz="1200" b="1" dirty="0">
-                <a:solidFill>
-                  <a:srgbClr val="660066"/>
-                </a:solidFill>
-                <a:highlight>
-                  <a:srgbClr val="FFFF00"/>
-                </a:highlight>
-                <a:latin typeface="Verdana" pitchFamily="34" charset="0"/>
-              </a:rPr>
-              <a:t>RegDst2</a:t>
-            </a:r>
-          </a:p>
-        </p:txBody>
-      </p:sp>
       <p:cxnSp>
         <p:nvCxnSpPr>
-          <p:cNvPr id="293" name="Elbow Connector 150">
-            <a:extLst>
-              <a:ext uri="{FF2B5EF4-FFF2-40B4-BE49-F238E27FC236}">
-                <a16:creationId xmlns:a16="http://schemas.microsoft.com/office/drawing/2014/main" id="{92E3A309-8AB1-4047-B3A7-68EFF84E3A41}"/>
+          <p:cNvPr id="284" name="Elbow Connector 150">
+            <a:extLst>
+              <a:ext uri="{FF2B5EF4-FFF2-40B4-BE49-F238E27FC236}">
+                <a16:creationId xmlns:a16="http://schemas.microsoft.com/office/drawing/2014/main" id="{8B2BB715-F7BB-4E3D-912B-2F2668B80B78}"/>
               </a:ext>
             </a:extLst>
           </p:cNvPr>
           <p:cNvCxnSpPr>
             <a:cxnSpLocks/>
-            <a:endCxn id="291" idx="0"/>
+            <a:endCxn id="281" idx="0"/>
           </p:cNvCxnSpPr>
           <p:nvPr/>
         </p:nvCxnSpPr>
         <p:spPr>
           <a:xfrm rot="5400000">
-            <a:off x="2794443" y="2807150"/>
-            <a:ext cx="1610635" cy="1042727"/>
+            <a:off x="3043969" y="3301571"/>
+            <a:ext cx="1910091" cy="458416"/>
           </a:xfrm>
           <a:prstGeom prst="bentConnector3">
             <a:avLst>
-              <a:gd name="adj1" fmla="val 2046"/>
+              <a:gd name="adj1" fmla="val 269"/>
             </a:avLst>
           </a:prstGeom>
           <a:ln/>
           <a:effectLst>
             <a:glow rad="63500">
-              <a:schemeClr val="accent4">
+              <a:schemeClr val="accent6">
                 <a:satMod val="175000"/>
                 <a:alpha val="40000"/>
               </a:schemeClr>
             </a:glow>
           </a:effectLst>
+        </p:spPr>
+        <p:style>
+          <a:lnRef idx="3">
+            <a:schemeClr val="accent2"/>
+          </a:lnRef>
+          <a:fillRef idx="0">
+            <a:schemeClr val="accent2"/>
+          </a:fillRef>
+          <a:effectRef idx="2">
+            <a:schemeClr val="accent2"/>
+          </a:effectRef>
+          <a:fontRef idx="minor">
+            <a:schemeClr val="tx1"/>
+          </a:fontRef>
+        </p:style>
+      </p:cxnSp>
+      <p:sp>
+        <p:nvSpPr>
+          <p:cNvPr id="174" name="Line 29">
+            <a:extLst>
+              <a:ext uri="{FF2B5EF4-FFF2-40B4-BE49-F238E27FC236}">
+                <a16:creationId xmlns:a16="http://schemas.microsoft.com/office/drawing/2014/main" id="{6D109778-E8B2-4AE8-97B3-7F8165545735}"/>
+              </a:ext>
+            </a:extLst>
+          </p:cNvPr>
+          <p:cNvSpPr>
+            <a:spLocks noChangeShapeType="1"/>
+          </p:cNvSpPr>
+          <p:nvPr/>
+        </p:nvSpPr>
+        <p:spPr bwMode="auto">
+          <a:xfrm flipV="1">
+            <a:off x="3914821" y="4801019"/>
+            <a:ext cx="513638" cy="13559"/>
+          </a:xfrm>
+          <a:prstGeom prst="line">
+            <a:avLst/>
+          </a:prstGeom>
+          <a:noFill/>
+          <a:ln w="19050">
+            <a:solidFill>
+              <a:schemeClr val="tx1"/>
+            </a:solidFill>
+            <a:round/>
+            <a:headEnd/>
+            <a:tailEnd type="triangle" w="med" len="med"/>
+          </a:ln>
+        </p:spPr>
+        <p:txBody>
+          <a:bodyPr wrap="square">
+            <a:spAutoFit/>
+          </a:bodyPr>
+          <a:lstStyle/>
+          <a:p>
+            <a:endParaRPr lang="en-US" dirty="0"/>
+          </a:p>
+        </p:txBody>
+      </p:sp>
+      <p:cxnSp>
+        <p:nvCxnSpPr>
+          <p:cNvPr id="277" name="Elbow Connector 147">
+            <a:extLst>
+              <a:ext uri="{FF2B5EF4-FFF2-40B4-BE49-F238E27FC236}">
+                <a16:creationId xmlns:a16="http://schemas.microsoft.com/office/drawing/2014/main" id="{8A96B1DD-7184-4513-A54A-21E21FD71B10}"/>
+              </a:ext>
+            </a:extLst>
+          </p:cNvPr>
+          <p:cNvCxnSpPr>
+            <a:cxnSpLocks/>
+            <a:endCxn id="154" idx="0"/>
+          </p:cNvCxnSpPr>
+          <p:nvPr/>
+        </p:nvCxnSpPr>
+        <p:spPr>
+          <a:xfrm>
+            <a:off x="4901875" y="2648189"/>
+            <a:ext cx="1754346" cy="1731398"/>
+          </a:xfrm>
+          <a:prstGeom prst="bentConnector2">
+            <a:avLst/>
+          </a:prstGeom>
+          <a:ln/>
+        </p:spPr>
+        <p:style>
+          <a:lnRef idx="3">
+            <a:schemeClr val="accent2"/>
+          </a:lnRef>
+          <a:fillRef idx="0">
+            <a:schemeClr val="accent2"/>
+          </a:fillRef>
+          <a:effectRef idx="2">
+            <a:schemeClr val="accent2"/>
+          </a:effectRef>
+          <a:fontRef idx="minor">
+            <a:schemeClr val="tx1"/>
+          </a:fontRef>
+        </p:style>
+      </p:cxnSp>
+      <p:cxnSp>
+        <p:nvCxnSpPr>
+          <p:cNvPr id="140" name="Straight Connector 139">
+            <a:extLst>
+              <a:ext uri="{FF2B5EF4-FFF2-40B4-BE49-F238E27FC236}">
+                <a16:creationId xmlns:a16="http://schemas.microsoft.com/office/drawing/2014/main" id="{DDDC6877-2622-46BA-8A84-5CC30ED02EB1}"/>
+              </a:ext>
+            </a:extLst>
+          </p:cNvPr>
+          <p:cNvCxnSpPr>
+            <a:cxnSpLocks/>
+          </p:cNvCxnSpPr>
+          <p:nvPr/>
+        </p:nvCxnSpPr>
+        <p:spPr>
+          <a:xfrm flipV="1">
+            <a:off x="1412626" y="2082751"/>
+            <a:ext cx="2690858" cy="16833"/>
+          </a:xfrm>
+          <a:prstGeom prst="line">
+            <a:avLst/>
+          </a:prstGeom>
+          <a:ln w="15875">
+            <a:solidFill>
+              <a:schemeClr val="tx1"/>
+            </a:solidFill>
+          </a:ln>
+        </p:spPr>
+        <p:style>
+          <a:lnRef idx="1">
+            <a:schemeClr val="accent1"/>
+          </a:lnRef>
+          <a:fillRef idx="0">
+            <a:schemeClr val="accent1"/>
+          </a:fillRef>
+          <a:effectRef idx="0">
+            <a:schemeClr val="accent1"/>
+          </a:effectRef>
+          <a:fontRef idx="minor">
+            <a:schemeClr val="tx1"/>
+          </a:fontRef>
+        </p:style>
+      </p:cxnSp>
+      <p:cxnSp>
+        <p:nvCxnSpPr>
+          <p:cNvPr id="186" name="Straight Connector 185">
+            <a:extLst>
+              <a:ext uri="{FF2B5EF4-FFF2-40B4-BE49-F238E27FC236}">
+                <a16:creationId xmlns:a16="http://schemas.microsoft.com/office/drawing/2014/main" id="{AF5243D1-4398-49C5-B3BA-D62B863BABAD}"/>
+              </a:ext>
+            </a:extLst>
+          </p:cNvPr>
+          <p:cNvCxnSpPr>
+            <a:cxnSpLocks/>
+            <a:stCxn id="6" idx="3"/>
+            <a:endCxn id="216" idx="2"/>
+          </p:cNvCxnSpPr>
+          <p:nvPr/>
+        </p:nvCxnSpPr>
+        <p:spPr>
+          <a:xfrm flipV="1">
+            <a:off x="9268786" y="1658175"/>
+            <a:ext cx="501753" cy="251808"/>
+          </a:xfrm>
+          <a:prstGeom prst="bentConnector2">
+            <a:avLst/>
+          </a:prstGeom>
+        </p:spPr>
+        <p:style>
+          <a:lnRef idx="3">
+            <a:schemeClr val="accent2"/>
+          </a:lnRef>
+          <a:fillRef idx="0">
+            <a:schemeClr val="accent2"/>
+          </a:fillRef>
+          <a:effectRef idx="2">
+            <a:schemeClr val="accent2"/>
+          </a:effectRef>
+          <a:fontRef idx="minor">
+            <a:schemeClr val="tx1"/>
+          </a:fontRef>
+        </p:style>
+      </p:cxnSp>
+      <p:cxnSp>
+        <p:nvCxnSpPr>
+          <p:cNvPr id="69" name="Straight Connector 68">
+            <a:extLst>
+              <a:ext uri="{FF2B5EF4-FFF2-40B4-BE49-F238E27FC236}">
+                <a16:creationId xmlns:a16="http://schemas.microsoft.com/office/drawing/2014/main" id="{CB8001B0-F429-464A-8A10-F11D13B0749C}"/>
+              </a:ext>
+            </a:extLst>
+          </p:cNvPr>
+          <p:cNvCxnSpPr>
+            <a:cxnSpLocks/>
+            <a:endCxn id="180" idx="2"/>
+          </p:cNvCxnSpPr>
+          <p:nvPr/>
+        </p:nvCxnSpPr>
+        <p:spPr>
+          <a:xfrm flipH="1" flipV="1">
+            <a:off x="9413334" y="5890620"/>
+            <a:ext cx="8303" cy="339857"/>
+          </a:xfrm>
+          <a:prstGeom prst="line">
+            <a:avLst/>
+          </a:prstGeom>
+        </p:spPr>
+        <p:style>
+          <a:lnRef idx="3">
+            <a:schemeClr val="accent2"/>
+          </a:lnRef>
+          <a:fillRef idx="0">
+            <a:schemeClr val="accent2"/>
+          </a:fillRef>
+          <a:effectRef idx="2">
+            <a:schemeClr val="accent2"/>
+          </a:effectRef>
+          <a:fontRef idx="minor">
+            <a:schemeClr val="tx1"/>
+          </a:fontRef>
+        </p:style>
+      </p:cxnSp>
+      <p:cxnSp>
+        <p:nvCxnSpPr>
+          <p:cNvPr id="279" name="Elbow Connector 149">
+            <a:extLst>
+              <a:ext uri="{FF2B5EF4-FFF2-40B4-BE49-F238E27FC236}">
+                <a16:creationId xmlns:a16="http://schemas.microsoft.com/office/drawing/2014/main" id="{768E63A5-B007-4A65-A1FD-40C8B935E43F}"/>
+              </a:ext>
+            </a:extLst>
+          </p:cNvPr>
+          <p:cNvCxnSpPr>
+            <a:cxnSpLocks/>
+          </p:cNvCxnSpPr>
+          <p:nvPr/>
+        </p:nvCxnSpPr>
+        <p:spPr>
+          <a:xfrm>
+            <a:off x="5014972" y="2756760"/>
+            <a:ext cx="4406665" cy="3473717"/>
+          </a:xfrm>
+          <a:prstGeom prst="bentConnector3">
+            <a:avLst>
+              <a:gd name="adj1" fmla="val 23407"/>
+            </a:avLst>
+          </a:prstGeom>
+          <a:ln/>
+        </p:spPr>
+        <p:style>
+          <a:lnRef idx="3">
+            <a:schemeClr val="accent2"/>
+          </a:lnRef>
+          <a:fillRef idx="0">
+            <a:schemeClr val="accent2"/>
+          </a:fillRef>
+          <a:effectRef idx="2">
+            <a:schemeClr val="accent2"/>
+          </a:effectRef>
+          <a:fontRef idx="minor">
+            <a:schemeClr val="tx1"/>
+          </a:fontRef>
+        </p:style>
+      </p:cxnSp>
+      <p:cxnSp>
+        <p:nvCxnSpPr>
+          <p:cNvPr id="47" name="Straight Connector 46">
+            <a:extLst>
+              <a:ext uri="{FF2B5EF4-FFF2-40B4-BE49-F238E27FC236}">
+                <a16:creationId xmlns:a16="http://schemas.microsoft.com/office/drawing/2014/main" id="{80DBEC72-EEFA-4039-A0FC-7869A7D50E29}"/>
+              </a:ext>
+            </a:extLst>
+          </p:cNvPr>
+          <p:cNvCxnSpPr>
+            <a:cxnSpLocks/>
+          </p:cNvCxnSpPr>
+          <p:nvPr/>
+        </p:nvCxnSpPr>
+        <p:spPr>
+          <a:xfrm>
+            <a:off x="5088147" y="5005870"/>
+            <a:ext cx="0" cy="184180"/>
+          </a:xfrm>
+          <a:prstGeom prst="line">
+            <a:avLst/>
+          </a:prstGeom>
         </p:spPr>
         <p:style>
           <a:lnRef idx="3">
@@ -3954,348 +4185,15 @@
         </p:nvCxnSpPr>
         <p:spPr>
           <a:xfrm rot="5400000">
-            <a:off x="1776198" y="3140963"/>
-            <a:ext cx="3175408" cy="1512795"/>
+            <a:off x="1969492" y="3334271"/>
+            <a:ext cx="3175406" cy="1126177"/>
           </a:xfrm>
           <a:prstGeom prst="bentConnector3">
             <a:avLst>
-              <a:gd name="adj1" fmla="val 515"/>
+              <a:gd name="adj1" fmla="val -603"/>
             </a:avLst>
           </a:prstGeom>
           <a:ln/>
-        </p:spPr>
-        <p:style>
-          <a:lnRef idx="3">
-            <a:schemeClr val="accent2"/>
-          </a:lnRef>
-          <a:fillRef idx="0">
-            <a:schemeClr val="accent2"/>
-          </a:fillRef>
-          <a:effectRef idx="2">
-            <a:schemeClr val="accent2"/>
-          </a:effectRef>
-          <a:fontRef idx="minor">
-            <a:schemeClr val="tx1"/>
-          </a:fontRef>
-        </p:style>
-      </p:cxnSp>
-      <p:cxnSp>
-        <p:nvCxnSpPr>
-          <p:cNvPr id="284" name="Elbow Connector 150">
-            <a:extLst>
-              <a:ext uri="{FF2B5EF4-FFF2-40B4-BE49-F238E27FC236}">
-                <a16:creationId xmlns:a16="http://schemas.microsoft.com/office/drawing/2014/main" id="{8B2BB715-F7BB-4E3D-912B-2F2668B80B78}"/>
-              </a:ext>
-            </a:extLst>
-          </p:cNvPr>
-          <p:cNvCxnSpPr>
-            <a:cxnSpLocks/>
-            <a:endCxn id="281" idx="0"/>
-          </p:cNvCxnSpPr>
-          <p:nvPr/>
-        </p:nvCxnSpPr>
-        <p:spPr>
-          <a:xfrm rot="5400000">
-            <a:off x="3079045" y="3446700"/>
-            <a:ext cx="1729887" cy="348363"/>
-          </a:xfrm>
-          <a:prstGeom prst="bentConnector3">
-            <a:avLst>
-              <a:gd name="adj1" fmla="val 733"/>
-            </a:avLst>
-          </a:prstGeom>
-          <a:ln/>
-          <a:effectLst>
-            <a:glow rad="63500">
-              <a:schemeClr val="accent4">
-                <a:satMod val="175000"/>
-                <a:alpha val="40000"/>
-              </a:schemeClr>
-            </a:glow>
-          </a:effectLst>
-        </p:spPr>
-        <p:style>
-          <a:lnRef idx="3">
-            <a:schemeClr val="accent2"/>
-          </a:lnRef>
-          <a:fillRef idx="0">
-            <a:schemeClr val="accent2"/>
-          </a:fillRef>
-          <a:effectRef idx="2">
-            <a:schemeClr val="accent2"/>
-          </a:effectRef>
-          <a:fontRef idx="minor">
-            <a:schemeClr val="tx1"/>
-          </a:fontRef>
-        </p:style>
-      </p:cxnSp>
-      <p:sp>
-        <p:nvSpPr>
-          <p:cNvPr id="174" name="Line 29">
-            <a:extLst>
-              <a:ext uri="{FF2B5EF4-FFF2-40B4-BE49-F238E27FC236}">
-                <a16:creationId xmlns:a16="http://schemas.microsoft.com/office/drawing/2014/main" id="{6D109778-E8B2-4AE8-97B3-7F8165545735}"/>
-              </a:ext>
-            </a:extLst>
-          </p:cNvPr>
-          <p:cNvSpPr>
-            <a:spLocks noChangeShapeType="1"/>
-          </p:cNvSpPr>
-          <p:nvPr/>
-        </p:nvSpPr>
-        <p:spPr bwMode="auto">
-          <a:xfrm flipV="1">
-            <a:off x="3914821" y="4801019"/>
-            <a:ext cx="513638" cy="13559"/>
-          </a:xfrm>
-          <a:prstGeom prst="line">
-            <a:avLst/>
-          </a:prstGeom>
-          <a:noFill/>
-          <a:ln w="19050">
-            <a:solidFill>
-              <a:schemeClr val="tx1"/>
-            </a:solidFill>
-            <a:round/>
-            <a:headEnd/>
-            <a:tailEnd type="triangle" w="med" len="med"/>
-          </a:ln>
-        </p:spPr>
-        <p:txBody>
-          <a:bodyPr wrap="square">
-            <a:spAutoFit/>
-          </a:bodyPr>
-          <a:lstStyle/>
-          <a:p>
-            <a:endParaRPr lang="en-US" dirty="0"/>
-          </a:p>
-        </p:txBody>
-      </p:sp>
-      <p:cxnSp>
-        <p:nvCxnSpPr>
-          <p:cNvPr id="277" name="Elbow Connector 147">
-            <a:extLst>
-              <a:ext uri="{FF2B5EF4-FFF2-40B4-BE49-F238E27FC236}">
-                <a16:creationId xmlns:a16="http://schemas.microsoft.com/office/drawing/2014/main" id="{8A96B1DD-7184-4513-A54A-21E21FD71B10}"/>
-              </a:ext>
-            </a:extLst>
-          </p:cNvPr>
-          <p:cNvCxnSpPr>
-            <a:cxnSpLocks/>
-            <a:endCxn id="154" idx="0"/>
-          </p:cNvCxnSpPr>
-          <p:nvPr/>
-        </p:nvCxnSpPr>
-        <p:spPr>
-          <a:xfrm>
-            <a:off x="4901875" y="2648189"/>
-            <a:ext cx="1754346" cy="1731398"/>
-          </a:xfrm>
-          <a:prstGeom prst="bentConnector2">
-            <a:avLst/>
-          </a:prstGeom>
-          <a:ln/>
-        </p:spPr>
-        <p:style>
-          <a:lnRef idx="3">
-            <a:schemeClr val="accent2"/>
-          </a:lnRef>
-          <a:fillRef idx="0">
-            <a:schemeClr val="accent2"/>
-          </a:fillRef>
-          <a:effectRef idx="2">
-            <a:schemeClr val="accent2"/>
-          </a:effectRef>
-          <a:fontRef idx="minor">
-            <a:schemeClr val="tx1"/>
-          </a:fontRef>
-        </p:style>
-      </p:cxnSp>
-      <p:cxnSp>
-        <p:nvCxnSpPr>
-          <p:cNvPr id="140" name="Straight Connector 139">
-            <a:extLst>
-              <a:ext uri="{FF2B5EF4-FFF2-40B4-BE49-F238E27FC236}">
-                <a16:creationId xmlns:a16="http://schemas.microsoft.com/office/drawing/2014/main" id="{DDDC6877-2622-46BA-8A84-5CC30ED02EB1}"/>
-              </a:ext>
-            </a:extLst>
-          </p:cNvPr>
-          <p:cNvCxnSpPr>
-            <a:cxnSpLocks/>
-          </p:cNvCxnSpPr>
-          <p:nvPr/>
-        </p:nvCxnSpPr>
-        <p:spPr>
-          <a:xfrm flipV="1">
-            <a:off x="1412626" y="2082751"/>
-            <a:ext cx="2690858" cy="16833"/>
-          </a:xfrm>
-          <a:prstGeom prst="line">
-            <a:avLst/>
-          </a:prstGeom>
-          <a:ln w="15875">
-            <a:solidFill>
-              <a:schemeClr val="tx1"/>
-            </a:solidFill>
-          </a:ln>
-        </p:spPr>
-        <p:style>
-          <a:lnRef idx="1">
-            <a:schemeClr val="accent1"/>
-          </a:lnRef>
-          <a:fillRef idx="0">
-            <a:schemeClr val="accent1"/>
-          </a:fillRef>
-          <a:effectRef idx="0">
-            <a:schemeClr val="accent1"/>
-          </a:effectRef>
-          <a:fontRef idx="minor">
-            <a:schemeClr val="tx1"/>
-          </a:fontRef>
-        </p:style>
-      </p:cxnSp>
-      <p:cxnSp>
-        <p:nvCxnSpPr>
-          <p:cNvPr id="186" name="Straight Connector 185">
-            <a:extLst>
-              <a:ext uri="{FF2B5EF4-FFF2-40B4-BE49-F238E27FC236}">
-                <a16:creationId xmlns:a16="http://schemas.microsoft.com/office/drawing/2014/main" id="{AF5243D1-4398-49C5-B3BA-D62B863BABAD}"/>
-              </a:ext>
-            </a:extLst>
-          </p:cNvPr>
-          <p:cNvCxnSpPr>
-            <a:cxnSpLocks/>
-            <a:stCxn id="6" idx="3"/>
-            <a:endCxn id="216" idx="2"/>
-          </p:cNvCxnSpPr>
-          <p:nvPr/>
-        </p:nvCxnSpPr>
-        <p:spPr>
-          <a:xfrm flipV="1">
-            <a:off x="9268786" y="1658175"/>
-            <a:ext cx="501753" cy="251808"/>
-          </a:xfrm>
-          <a:prstGeom prst="bentConnector2">
-            <a:avLst/>
-          </a:prstGeom>
-        </p:spPr>
-        <p:style>
-          <a:lnRef idx="3">
-            <a:schemeClr val="accent2"/>
-          </a:lnRef>
-          <a:fillRef idx="0">
-            <a:schemeClr val="accent2"/>
-          </a:fillRef>
-          <a:effectRef idx="2">
-            <a:schemeClr val="accent2"/>
-          </a:effectRef>
-          <a:fontRef idx="minor">
-            <a:schemeClr val="tx1"/>
-          </a:fontRef>
-        </p:style>
-      </p:cxnSp>
-      <p:cxnSp>
-        <p:nvCxnSpPr>
-          <p:cNvPr id="69" name="Straight Connector 68">
-            <a:extLst>
-              <a:ext uri="{FF2B5EF4-FFF2-40B4-BE49-F238E27FC236}">
-                <a16:creationId xmlns:a16="http://schemas.microsoft.com/office/drawing/2014/main" id="{CB8001B0-F429-464A-8A10-F11D13B0749C}"/>
-              </a:ext>
-            </a:extLst>
-          </p:cNvPr>
-          <p:cNvCxnSpPr>
-            <a:cxnSpLocks/>
-            <a:endCxn id="180" idx="2"/>
-          </p:cNvCxnSpPr>
-          <p:nvPr/>
-        </p:nvCxnSpPr>
-        <p:spPr>
-          <a:xfrm flipH="1" flipV="1">
-            <a:off x="9413334" y="5890620"/>
-            <a:ext cx="8303" cy="339857"/>
-          </a:xfrm>
-          <a:prstGeom prst="line">
-            <a:avLst/>
-          </a:prstGeom>
-        </p:spPr>
-        <p:style>
-          <a:lnRef idx="3">
-            <a:schemeClr val="accent2"/>
-          </a:lnRef>
-          <a:fillRef idx="0">
-            <a:schemeClr val="accent2"/>
-          </a:fillRef>
-          <a:effectRef idx="2">
-            <a:schemeClr val="accent2"/>
-          </a:effectRef>
-          <a:fontRef idx="minor">
-            <a:schemeClr val="tx1"/>
-          </a:fontRef>
-        </p:style>
-      </p:cxnSp>
-      <p:cxnSp>
-        <p:nvCxnSpPr>
-          <p:cNvPr id="279" name="Elbow Connector 149">
-            <a:extLst>
-              <a:ext uri="{FF2B5EF4-FFF2-40B4-BE49-F238E27FC236}">
-                <a16:creationId xmlns:a16="http://schemas.microsoft.com/office/drawing/2014/main" id="{768E63A5-B007-4A65-A1FD-40C8B935E43F}"/>
-              </a:ext>
-            </a:extLst>
-          </p:cNvPr>
-          <p:cNvCxnSpPr>
-            <a:cxnSpLocks/>
-          </p:cNvCxnSpPr>
-          <p:nvPr/>
-        </p:nvCxnSpPr>
-        <p:spPr>
-          <a:xfrm>
-            <a:off x="5014972" y="2756760"/>
-            <a:ext cx="4406665" cy="3473717"/>
-          </a:xfrm>
-          <a:prstGeom prst="bentConnector3">
-            <a:avLst>
-              <a:gd name="adj1" fmla="val 23407"/>
-            </a:avLst>
-          </a:prstGeom>
-          <a:ln/>
-        </p:spPr>
-        <p:style>
-          <a:lnRef idx="3">
-            <a:schemeClr val="accent2"/>
-          </a:lnRef>
-          <a:fillRef idx="0">
-            <a:schemeClr val="accent2"/>
-          </a:fillRef>
-          <a:effectRef idx="2">
-            <a:schemeClr val="accent2"/>
-          </a:effectRef>
-          <a:fontRef idx="minor">
-            <a:schemeClr val="tx1"/>
-          </a:fontRef>
-        </p:style>
-      </p:cxnSp>
-      <p:cxnSp>
-        <p:nvCxnSpPr>
-          <p:cNvPr id="47" name="Straight Connector 46">
-            <a:extLst>
-              <a:ext uri="{FF2B5EF4-FFF2-40B4-BE49-F238E27FC236}">
-                <a16:creationId xmlns:a16="http://schemas.microsoft.com/office/drawing/2014/main" id="{80DBEC72-EEFA-4039-A0FC-7869A7D50E29}"/>
-              </a:ext>
-            </a:extLst>
-          </p:cNvPr>
-          <p:cNvCxnSpPr>
-            <a:cxnSpLocks/>
-          </p:cNvCxnSpPr>
-          <p:nvPr/>
-        </p:nvCxnSpPr>
-        <p:spPr>
-          <a:xfrm>
-            <a:off x="5088147" y="5005870"/>
-            <a:ext cx="0" cy="184180"/>
-          </a:xfrm>
-          <a:prstGeom prst="line">
-            <a:avLst/>
-          </a:prstGeom>
         </p:spPr>
         <p:style>
           <a:lnRef idx="3">
@@ -4601,7 +4499,7 @@
         </p:nvSpPr>
         <p:spPr bwMode="auto">
           <a:xfrm rot="21202696">
-            <a:off x="1441146" y="3740446"/>
+            <a:off x="1420363" y="3642016"/>
             <a:ext cx="1087102" cy="287046"/>
           </a:xfrm>
           <a:prstGeom prst="rect">
@@ -4647,8 +4545,8 @@
         </p:nvSpPr>
         <p:spPr bwMode="auto">
           <a:xfrm>
-            <a:off x="1301699" y="4880494"/>
-            <a:ext cx="1087102" cy="215444"/>
+            <a:off x="1381414" y="4862261"/>
+            <a:ext cx="1087102" cy="287046"/>
           </a:xfrm>
           <a:prstGeom prst="rect">
             <a:avLst/>
@@ -4662,14 +4560,14 @@
           </a:ln>
         </p:spPr>
         <p:txBody>
-          <a:bodyPr wrap="square">
+          <a:bodyPr wrap="none">
             <a:spAutoFit/>
           </a:bodyPr>
           <a:lstStyle/>
           <a:p>
             <a:pPr algn="ctr"/>
             <a:r>
-              <a:rPr lang="en-US" sz="800" b="1" dirty="0">
+              <a:rPr lang="en-US" sz="1000" b="1" dirty="0">
                 <a:latin typeface="Verdana" pitchFamily="34" charset="0"/>
               </a:rPr>
               <a:t>Inst [15:11]</a:t>
@@ -4693,12 +4591,12 @@
         </p:nvCxnSpPr>
         <p:spPr>
           <a:xfrm>
-            <a:off x="1699516" y="4070799"/>
-            <a:ext cx="833962" cy="462358"/>
+            <a:off x="1996664" y="4031971"/>
+            <a:ext cx="536814" cy="501186"/>
           </a:xfrm>
           <a:prstGeom prst="bentConnector3">
             <a:avLst>
-              <a:gd name="adj1" fmla="val -32"/>
+              <a:gd name="adj1" fmla="val -1267"/>
             </a:avLst>
           </a:prstGeom>
           <a:ln w="15875">
@@ -4734,15 +4632,15 @@
           </p:cNvPr>
           <p:cNvCxnSpPr>
             <a:cxnSpLocks/>
-            <a:stCxn id="291" idx="3"/>
+            <a:stCxn id="149" idx="3"/>
             <a:endCxn id="159" idx="0"/>
           </p:cNvCxnSpPr>
           <p:nvPr/>
         </p:nvCxnSpPr>
         <p:spPr>
           <a:xfrm flipV="1">
-            <a:off x="3233465" y="4290117"/>
-            <a:ext cx="644001" cy="380528"/>
+            <a:off x="2849313" y="4290117"/>
+            <a:ext cx="1028153" cy="447347"/>
           </a:xfrm>
           <a:prstGeom prst="line">
             <a:avLst/>
@@ -4828,8 +4726,8 @@
         </p:nvSpPr>
         <p:spPr bwMode="auto">
           <a:xfrm>
-            <a:off x="1410253" y="5776746"/>
-            <a:ext cx="907621" cy="230832"/>
+            <a:off x="1458323" y="5486400"/>
+            <a:ext cx="1003440" cy="289096"/>
           </a:xfrm>
           <a:prstGeom prst="rect">
             <a:avLst/>
@@ -4850,7 +4748,7 @@
           <a:p>
             <a:pPr algn="ctr"/>
             <a:r>
-              <a:rPr lang="en-US" sz="900" b="1" dirty="0">
+              <a:rPr lang="en-US" sz="1000" b="1" dirty="0">
                 <a:latin typeface="Verdana" pitchFamily="34" charset="0"/>
               </a:rPr>
               <a:t>Inst [15:0]</a:t>
@@ -7675,7 +7573,7 @@
         </p:nvSpPr>
         <p:spPr bwMode="auto">
           <a:xfrm>
-            <a:off x="1881276" y="5475197"/>
+            <a:off x="2324762" y="5485857"/>
             <a:ext cx="945210" cy="325234"/>
           </a:xfrm>
           <a:prstGeom prst="rect">
@@ -7724,7 +7622,7 @@
         </p:nvSpPr>
         <p:spPr bwMode="auto">
           <a:xfrm>
-            <a:off x="8911611" y="6186417"/>
+            <a:off x="8868845" y="6247398"/>
             <a:ext cx="1029448" cy="276999"/>
           </a:xfrm>
           <a:prstGeom prst="rect">
@@ -8887,7 +8785,7 @@
         </p:nvSpPr>
         <p:spPr bwMode="auto">
           <a:xfrm>
-            <a:off x="1888169" y="4264256"/>
+            <a:off x="2225988" y="4255398"/>
             <a:ext cx="304148" cy="276999"/>
           </a:xfrm>
           <a:prstGeom prst="rect">
@@ -8936,7 +8834,7 @@
         </p:nvSpPr>
         <p:spPr bwMode="auto">
           <a:xfrm>
-            <a:off x="1898597" y="4576945"/>
+            <a:off x="2218011" y="4577164"/>
             <a:ext cx="293671" cy="276999"/>
           </a:xfrm>
           <a:prstGeom prst="rect">
@@ -9496,8 +9394,8 @@
         </p:nvCxnSpPr>
         <p:spPr>
           <a:xfrm rot="16200000" flipH="1">
-            <a:off x="2397268" y="5269411"/>
-            <a:ext cx="208301" cy="218034"/>
+            <a:off x="2737467" y="5231054"/>
+            <a:ext cx="212122" cy="298569"/>
           </a:xfrm>
           <a:prstGeom prst="bentConnector2">
             <a:avLst/>
@@ -10274,8 +10172,8 @@
             <a:tailEnd type="triangle"/>
           </a:ln>
           <a:effectLst>
-            <a:glow rad="101600">
-              <a:schemeClr val="accent4">
+            <a:glow rad="63500">
+              <a:schemeClr val="accent6">
                 <a:satMod val="175000"/>
                 <a:alpha val="40000"/>
               </a:schemeClr>
@@ -10357,7 +10255,7 @@
         </p:nvSpPr>
         <p:spPr>
           <a:xfrm>
-            <a:off x="2237331" y="4200650"/>
+            <a:off x="2539174" y="4200650"/>
             <a:ext cx="310139" cy="1073628"/>
           </a:xfrm>
           <a:prstGeom prst="roundRect">
@@ -11772,7 +11670,7 @@
           <a:ln/>
           <a:effectLst>
             <a:glow rad="101600">
-              <a:schemeClr val="accent4">
+              <a:schemeClr val="accent6">
                 <a:satMod val="175000"/>
                 <a:alpha val="40000"/>
               </a:schemeClr>
@@ -11850,7 +11748,7 @@
           </a:ln>
           <a:effectLst>
             <a:glow rad="63500">
-              <a:schemeClr val="accent4">
+              <a:schemeClr val="accent6">
                 <a:satMod val="175000"/>
                 <a:alpha val="40000"/>
               </a:schemeClr>
@@ -11901,7 +11799,7 @@
                   <a:srgbClr val="660066"/>
                 </a:solidFill>
                 <a:highlight>
-                  <a:srgbClr val="FFFF00"/>
+                  <a:srgbClr val="00FF00"/>
                 </a:highlight>
                 <a:latin typeface="Verdana" pitchFamily="34" charset="0"/>
               </a:rPr>
@@ -11953,284 +11851,11 @@
                   <a:srgbClr val="660066"/>
                 </a:solidFill>
                 <a:highlight>
-                  <a:srgbClr val="FFFF00"/>
+                  <a:srgbClr val="00FF00"/>
                 </a:highlight>
                 <a:latin typeface="Verdana" pitchFamily="34" charset="0"/>
               </a:rPr>
               <a:t>1</a:t>
-            </a:r>
-          </a:p>
-        </p:txBody>
-      </p:sp>
-      <p:sp>
-        <p:nvSpPr>
-          <p:cNvPr id="291" name="Rounded Rectangle 38">
-            <a:extLst>
-              <a:ext uri="{FF2B5EF4-FFF2-40B4-BE49-F238E27FC236}">
-                <a16:creationId xmlns:a16="http://schemas.microsoft.com/office/drawing/2014/main" id="{F376F35A-6404-48F6-839E-8EA8FE862BA4}"/>
-              </a:ext>
-            </a:extLst>
-          </p:cNvPr>
-          <p:cNvSpPr/>
-          <p:nvPr/>
-        </p:nvSpPr>
-        <p:spPr>
-          <a:xfrm>
-            <a:off x="2923326" y="4133831"/>
-            <a:ext cx="310139" cy="1073628"/>
-          </a:xfrm>
-          <a:prstGeom prst="roundRect">
-            <a:avLst/>
-          </a:prstGeom>
-          <a:ln/>
-          <a:effectLst>
-            <a:glow rad="101600">
-              <a:schemeClr val="accent4">
-                <a:satMod val="175000"/>
-                <a:alpha val="40000"/>
-              </a:schemeClr>
-            </a:glow>
-          </a:effectLst>
-        </p:spPr>
-        <p:style>
-          <a:lnRef idx="1">
-            <a:schemeClr val="accent1"/>
-          </a:lnRef>
-          <a:fillRef idx="2">
-            <a:schemeClr val="accent1"/>
-          </a:fillRef>
-          <a:effectRef idx="1">
-            <a:schemeClr val="accent1"/>
-          </a:effectRef>
-          <a:fontRef idx="minor">
-            <a:schemeClr val="dk1"/>
-          </a:fontRef>
-        </p:style>
-        <p:txBody>
-          <a:bodyPr rtlCol="0" anchor="ctr"/>
-          <a:lstStyle/>
-          <a:p>
-            <a:pPr algn="ctr"/>
-            <a:r>
-              <a:rPr lang="en-US" sz="1600" b="1" dirty="0">
-                <a:solidFill>
-                  <a:schemeClr val="tx1"/>
-                </a:solidFill>
-              </a:rPr>
-              <a:t>MUX</a:t>
-            </a:r>
-            <a:endParaRPr lang="en-SG" sz="1600" b="1" dirty="0">
-              <a:solidFill>
-                <a:schemeClr val="tx1"/>
-              </a:solidFill>
-            </a:endParaRPr>
-          </a:p>
-        </p:txBody>
-      </p:sp>
-      <p:cxnSp>
-        <p:nvCxnSpPr>
-          <p:cNvPr id="292" name="Shape 39">
-            <a:extLst>
-              <a:ext uri="{FF2B5EF4-FFF2-40B4-BE49-F238E27FC236}">
-                <a16:creationId xmlns:a16="http://schemas.microsoft.com/office/drawing/2014/main" id="{294B29D2-2858-4AB6-B3C6-28DE1E4004F0}"/>
-              </a:ext>
-            </a:extLst>
-          </p:cNvPr>
-          <p:cNvCxnSpPr>
-            <a:cxnSpLocks/>
-          </p:cNvCxnSpPr>
-          <p:nvPr/>
-        </p:nvCxnSpPr>
-        <p:spPr>
-          <a:xfrm rot="16200000" flipH="1">
-            <a:off x="2178745" y="3787541"/>
-            <a:ext cx="1246997" cy="211189"/>
-          </a:xfrm>
-          <a:prstGeom prst="bentConnector3">
-            <a:avLst>
-              <a:gd name="adj1" fmla="val 99123"/>
-            </a:avLst>
-          </a:prstGeom>
-          <a:ln w="15875">
-            <a:solidFill>
-              <a:schemeClr val="tx1"/>
-            </a:solidFill>
-            <a:headEnd type="oval"/>
-          </a:ln>
-          <a:effectLst>
-            <a:glow rad="63500">
-              <a:schemeClr val="accent4">
-                <a:satMod val="175000"/>
-                <a:alpha val="40000"/>
-              </a:schemeClr>
-            </a:glow>
-          </a:effectLst>
-        </p:spPr>
-        <p:style>
-          <a:lnRef idx="1">
-            <a:schemeClr val="accent1"/>
-          </a:lnRef>
-          <a:fillRef idx="0">
-            <a:schemeClr val="accent1"/>
-          </a:fillRef>
-          <a:effectRef idx="0">
-            <a:schemeClr val="accent1"/>
-          </a:effectRef>
-          <a:fontRef idx="minor">
-            <a:schemeClr val="tx1"/>
-          </a:fontRef>
-        </p:style>
-      </p:cxnSp>
-      <p:sp>
-        <p:nvSpPr>
-          <p:cNvPr id="294" name="Line 29">
-            <a:extLst>
-              <a:ext uri="{FF2B5EF4-FFF2-40B4-BE49-F238E27FC236}">
-                <a16:creationId xmlns:a16="http://schemas.microsoft.com/office/drawing/2014/main" id="{AC0D8787-0CAF-43BB-BF32-BC1192EDE627}"/>
-              </a:ext>
-            </a:extLst>
-          </p:cNvPr>
-          <p:cNvSpPr>
-            <a:spLocks noChangeShapeType="1"/>
-          </p:cNvSpPr>
-          <p:nvPr/>
-        </p:nvSpPr>
-        <p:spPr bwMode="auto">
-          <a:xfrm flipV="1">
-            <a:off x="2545908" y="4835744"/>
-            <a:ext cx="358229" cy="5359"/>
-          </a:xfrm>
-          <a:prstGeom prst="line">
-            <a:avLst/>
-          </a:prstGeom>
-          <a:noFill/>
-          <a:ln w="19050">
-            <a:solidFill>
-              <a:schemeClr val="tx1"/>
-            </a:solidFill>
-            <a:round/>
-            <a:headEnd/>
-            <a:tailEnd type="triangle" w="med" len="med"/>
-          </a:ln>
-          <a:effectLst>
-            <a:glow rad="63500">
-              <a:schemeClr val="accent4">
-                <a:satMod val="175000"/>
-                <a:alpha val="40000"/>
-              </a:schemeClr>
-            </a:glow>
-          </a:effectLst>
-        </p:spPr>
-        <p:txBody>
-          <a:bodyPr wrap="square">
-            <a:spAutoFit/>
-          </a:bodyPr>
-          <a:lstStyle/>
-          <a:p>
-            <a:endParaRPr lang="en-US" dirty="0"/>
-          </a:p>
-        </p:txBody>
-      </p:sp>
-      <p:sp>
-        <p:nvSpPr>
-          <p:cNvPr id="295" name="Text Box 319">
-            <a:extLst>
-              <a:ext uri="{FF2B5EF4-FFF2-40B4-BE49-F238E27FC236}">
-                <a16:creationId xmlns:a16="http://schemas.microsoft.com/office/drawing/2014/main" id="{7E194861-200E-4506-8EFA-CFD085136008}"/>
-              </a:ext>
-            </a:extLst>
-          </p:cNvPr>
-          <p:cNvSpPr txBox="1">
-            <a:spLocks noChangeArrowheads="1"/>
-          </p:cNvSpPr>
-          <p:nvPr/>
-        </p:nvSpPr>
-        <p:spPr bwMode="auto">
-          <a:xfrm>
-            <a:off x="2663520" y="4569940"/>
-            <a:ext cx="293671" cy="276999"/>
-          </a:xfrm>
-          <a:prstGeom prst="rect">
-            <a:avLst/>
-          </a:prstGeom>
-          <a:noFill/>
-          <a:ln w="12700" algn="ctr">
-            <a:noFill/>
-            <a:miter lim="800000"/>
-            <a:headEnd/>
-            <a:tailEnd/>
-          </a:ln>
-        </p:spPr>
-        <p:txBody>
-          <a:bodyPr wrap="none">
-            <a:spAutoFit/>
-          </a:bodyPr>
-          <a:lstStyle/>
-          <a:p>
-            <a:pPr algn="ctr"/>
-            <a:r>
-              <a:rPr lang="en-US" sz="1200" b="1" dirty="0">
-                <a:solidFill>
-                  <a:srgbClr val="660066"/>
-                </a:solidFill>
-                <a:highlight>
-                  <a:srgbClr val="FFFF00"/>
-                </a:highlight>
-                <a:latin typeface="Verdana" pitchFamily="34" charset="0"/>
-              </a:rPr>
-              <a:t>1</a:t>
-            </a:r>
-          </a:p>
-        </p:txBody>
-      </p:sp>
-      <p:sp>
-        <p:nvSpPr>
-          <p:cNvPr id="298" name="Text Box 319">
-            <a:extLst>
-              <a:ext uri="{FF2B5EF4-FFF2-40B4-BE49-F238E27FC236}">
-                <a16:creationId xmlns:a16="http://schemas.microsoft.com/office/drawing/2014/main" id="{A3AF6F98-1EEC-4673-9EDD-012BBE1DBCCA}"/>
-              </a:ext>
-            </a:extLst>
-          </p:cNvPr>
-          <p:cNvSpPr txBox="1">
-            <a:spLocks noChangeArrowheads="1"/>
-          </p:cNvSpPr>
-          <p:nvPr/>
-        </p:nvSpPr>
-        <p:spPr bwMode="auto">
-          <a:xfrm>
-            <a:off x="2679511" y="4212262"/>
-            <a:ext cx="304148" cy="276999"/>
-          </a:xfrm>
-          <a:prstGeom prst="rect">
-            <a:avLst/>
-          </a:prstGeom>
-          <a:noFill/>
-          <a:ln w="12700" algn="ctr">
-            <a:noFill/>
-            <a:miter lim="800000"/>
-            <a:headEnd/>
-            <a:tailEnd/>
-          </a:ln>
-        </p:spPr>
-        <p:txBody>
-          <a:bodyPr wrap="square">
-            <a:spAutoFit/>
-          </a:bodyPr>
-          <a:lstStyle/>
-          <a:p>
-            <a:pPr algn="ctr"/>
-            <a:r>
-              <a:rPr lang="en-US" sz="1200" b="1" dirty="0">
-                <a:solidFill>
-                  <a:srgbClr val="660066"/>
-                </a:solidFill>
-                <a:highlight>
-                  <a:srgbClr val="FFFF00"/>
-                </a:highlight>
-                <a:latin typeface="Verdana" pitchFamily="34" charset="0"/>
-              </a:rPr>
-              <a:t>0</a:t>
             </a:r>
           </a:p>
         </p:txBody>

--- a/[For Qn 2] MIPS_Processor_Datapath_And_Control.pptx
+++ b/[For Qn 2] MIPS_Processor_Datapath_And_Control.pptx
@@ -197,7 +197,7 @@
           <a:p>
             <a:fld id="{42060710-8A20-431C-84BD-0B328956E542}" type="datetimeFigureOut">
               <a:rPr lang="en-SG" smtClean="0"/>
-              <a:t>6/10/2024</a:t>
+              <a:t>10/10/2024</a:t>
             </a:fld>
             <a:endParaRPr lang="en-SG"/>
           </a:p>
@@ -698,7 +698,7 @@
           <a:p>
             <a:fld id="{FE1EBD24-3C4C-4967-85AA-17650D7D721E}" type="datetimeFigureOut">
               <a:rPr lang="en-SG" smtClean="0"/>
-              <a:t>6/10/2024</a:t>
+              <a:t>10/10/2024</a:t>
             </a:fld>
             <a:endParaRPr lang="en-SG"/>
           </a:p>
@@ -898,7 +898,7 @@
           <a:p>
             <a:fld id="{FE1EBD24-3C4C-4967-85AA-17650D7D721E}" type="datetimeFigureOut">
               <a:rPr lang="en-SG" smtClean="0"/>
-              <a:t>6/10/2024</a:t>
+              <a:t>10/10/2024</a:t>
             </a:fld>
             <a:endParaRPr lang="en-SG"/>
           </a:p>
@@ -1108,7 +1108,7 @@
           <a:p>
             <a:fld id="{FE1EBD24-3C4C-4967-85AA-17650D7D721E}" type="datetimeFigureOut">
               <a:rPr lang="en-SG" smtClean="0"/>
-              <a:t>6/10/2024</a:t>
+              <a:t>10/10/2024</a:t>
             </a:fld>
             <a:endParaRPr lang="en-SG"/>
           </a:p>
@@ -1308,7 +1308,7 @@
           <a:p>
             <a:fld id="{FE1EBD24-3C4C-4967-85AA-17650D7D721E}" type="datetimeFigureOut">
               <a:rPr lang="en-SG" smtClean="0"/>
-              <a:t>6/10/2024</a:t>
+              <a:t>10/10/2024</a:t>
             </a:fld>
             <a:endParaRPr lang="en-SG"/>
           </a:p>
@@ -1584,7 +1584,7 @@
           <a:p>
             <a:fld id="{FE1EBD24-3C4C-4967-85AA-17650D7D721E}" type="datetimeFigureOut">
               <a:rPr lang="en-SG" smtClean="0"/>
-              <a:t>6/10/2024</a:t>
+              <a:t>10/10/2024</a:t>
             </a:fld>
             <a:endParaRPr lang="en-SG"/>
           </a:p>
@@ -1852,7 +1852,7 @@
           <a:p>
             <a:fld id="{FE1EBD24-3C4C-4967-85AA-17650D7D721E}" type="datetimeFigureOut">
               <a:rPr lang="en-SG" smtClean="0"/>
-              <a:t>6/10/2024</a:t>
+              <a:t>10/10/2024</a:t>
             </a:fld>
             <a:endParaRPr lang="en-SG"/>
           </a:p>
@@ -2267,7 +2267,7 @@
           <a:p>
             <a:fld id="{FE1EBD24-3C4C-4967-85AA-17650D7D721E}" type="datetimeFigureOut">
               <a:rPr lang="en-SG" smtClean="0"/>
-              <a:t>6/10/2024</a:t>
+              <a:t>10/10/2024</a:t>
             </a:fld>
             <a:endParaRPr lang="en-SG"/>
           </a:p>
@@ -2409,7 +2409,7 @@
           <a:p>
             <a:fld id="{FE1EBD24-3C4C-4967-85AA-17650D7D721E}" type="datetimeFigureOut">
               <a:rPr lang="en-SG" smtClean="0"/>
-              <a:t>6/10/2024</a:t>
+              <a:t>10/10/2024</a:t>
             </a:fld>
             <a:endParaRPr lang="en-SG"/>
           </a:p>
@@ -2522,7 +2522,7 @@
           <a:p>
             <a:fld id="{FE1EBD24-3C4C-4967-85AA-17650D7D721E}" type="datetimeFigureOut">
               <a:rPr lang="en-SG" smtClean="0"/>
-              <a:t>6/10/2024</a:t>
+              <a:t>10/10/2024</a:t>
             </a:fld>
             <a:endParaRPr lang="en-SG"/>
           </a:p>
@@ -2835,7 +2835,7 @@
           <a:p>
             <a:fld id="{FE1EBD24-3C4C-4967-85AA-17650D7D721E}" type="datetimeFigureOut">
               <a:rPr lang="en-SG" smtClean="0"/>
-              <a:t>6/10/2024</a:t>
+              <a:t>10/10/2024</a:t>
             </a:fld>
             <a:endParaRPr lang="en-SG"/>
           </a:p>
@@ -3124,7 +3124,7 @@
           <a:p>
             <a:fld id="{FE1EBD24-3C4C-4967-85AA-17650D7D721E}" type="datetimeFigureOut">
               <a:rPr lang="en-SG" smtClean="0"/>
-              <a:t>6/10/2024</a:t>
+              <a:t>10/10/2024</a:t>
             </a:fld>
             <a:endParaRPr lang="en-SG"/>
           </a:p>
@@ -3367,7 +3367,7 @@
           <a:p>
             <a:fld id="{FE1EBD24-3C4C-4967-85AA-17650D7D721E}" type="datetimeFigureOut">
               <a:rPr lang="en-SG" smtClean="0"/>
-              <a:t>6/10/2024</a:t>
+              <a:t>10/10/2024</a:t>
             </a:fld>
             <a:endParaRPr lang="en-SG"/>
           </a:p>
@@ -3917,6 +3917,14 @@
             <a:headEnd/>
             <a:tailEnd type="triangle" w="med" len="med"/>
           </a:ln>
+          <a:effectLst>
+            <a:glow rad="63500">
+              <a:schemeClr val="accent6">
+                <a:satMod val="175000"/>
+                <a:alpha val="40000"/>
+              </a:schemeClr>
+            </a:glow>
+          </a:effectLst>
         </p:spPr>
         <p:txBody>
           <a:bodyPr wrap="square">
